--- a/interview/Vue深入学习.pptx
+++ b/interview/Vue深入学习.pptx
@@ -270,7 +270,7 @@
           <a:p>
             <a:fld id="{509BA1EA-83C8-49DE-914E-914407E9938A}" type="datetimeFigureOut">
               <a:rPr lang="zh-CN" altLang="en-US" smtClean="0"/>
-              <a:t>2021/8/14</a:t>
+              <a:t>2021/8/20</a:t>
             </a:fld>
             <a:endParaRPr lang="zh-CN" altLang="en-US"/>
           </a:p>
@@ -468,7 +468,7 @@
           <a:p>
             <a:fld id="{509BA1EA-83C8-49DE-914E-914407E9938A}" type="datetimeFigureOut">
               <a:rPr lang="zh-CN" altLang="en-US" smtClean="0"/>
-              <a:t>2021/8/14</a:t>
+              <a:t>2021/8/20</a:t>
             </a:fld>
             <a:endParaRPr lang="zh-CN" altLang="en-US"/>
           </a:p>
@@ -676,7 +676,7 @@
           <a:p>
             <a:fld id="{509BA1EA-83C8-49DE-914E-914407E9938A}" type="datetimeFigureOut">
               <a:rPr lang="zh-CN" altLang="en-US" smtClean="0"/>
-              <a:t>2021/8/14</a:t>
+              <a:t>2021/8/20</a:t>
             </a:fld>
             <a:endParaRPr lang="zh-CN" altLang="en-US"/>
           </a:p>
@@ -874,7 +874,7 @@
           <a:p>
             <a:fld id="{509BA1EA-83C8-49DE-914E-914407E9938A}" type="datetimeFigureOut">
               <a:rPr lang="zh-CN" altLang="en-US" smtClean="0"/>
-              <a:t>2021/8/14</a:t>
+              <a:t>2021/8/20</a:t>
             </a:fld>
             <a:endParaRPr lang="zh-CN" altLang="en-US"/>
           </a:p>
@@ -1149,7 +1149,7 @@
           <a:p>
             <a:fld id="{509BA1EA-83C8-49DE-914E-914407E9938A}" type="datetimeFigureOut">
               <a:rPr lang="zh-CN" altLang="en-US" smtClean="0"/>
-              <a:t>2021/8/14</a:t>
+              <a:t>2021/8/20</a:t>
             </a:fld>
             <a:endParaRPr lang="zh-CN" altLang="en-US"/>
           </a:p>
@@ -1414,7 +1414,7 @@
           <a:p>
             <a:fld id="{509BA1EA-83C8-49DE-914E-914407E9938A}" type="datetimeFigureOut">
               <a:rPr lang="zh-CN" altLang="en-US" smtClean="0"/>
-              <a:t>2021/8/14</a:t>
+              <a:t>2021/8/20</a:t>
             </a:fld>
             <a:endParaRPr lang="zh-CN" altLang="en-US"/>
           </a:p>
@@ -1826,7 +1826,7 @@
           <a:p>
             <a:fld id="{509BA1EA-83C8-49DE-914E-914407E9938A}" type="datetimeFigureOut">
               <a:rPr lang="zh-CN" altLang="en-US" smtClean="0"/>
-              <a:t>2021/8/14</a:t>
+              <a:t>2021/8/20</a:t>
             </a:fld>
             <a:endParaRPr lang="zh-CN" altLang="en-US"/>
           </a:p>
@@ -1967,7 +1967,7 @@
           <a:p>
             <a:fld id="{509BA1EA-83C8-49DE-914E-914407E9938A}" type="datetimeFigureOut">
               <a:rPr lang="zh-CN" altLang="en-US" smtClean="0"/>
-              <a:t>2021/8/14</a:t>
+              <a:t>2021/8/20</a:t>
             </a:fld>
             <a:endParaRPr lang="zh-CN" altLang="en-US"/>
           </a:p>
@@ -2080,7 +2080,7 @@
           <a:p>
             <a:fld id="{509BA1EA-83C8-49DE-914E-914407E9938A}" type="datetimeFigureOut">
               <a:rPr lang="zh-CN" altLang="en-US" smtClean="0"/>
-              <a:t>2021/8/14</a:t>
+              <a:t>2021/8/20</a:t>
             </a:fld>
             <a:endParaRPr lang="zh-CN" altLang="en-US"/>
           </a:p>
@@ -2391,7 +2391,7 @@
           <a:p>
             <a:fld id="{509BA1EA-83C8-49DE-914E-914407E9938A}" type="datetimeFigureOut">
               <a:rPr lang="zh-CN" altLang="en-US" smtClean="0"/>
-              <a:t>2021/8/14</a:t>
+              <a:t>2021/8/20</a:t>
             </a:fld>
             <a:endParaRPr lang="zh-CN" altLang="en-US"/>
           </a:p>
@@ -2679,7 +2679,7 @@
           <a:p>
             <a:fld id="{509BA1EA-83C8-49DE-914E-914407E9938A}" type="datetimeFigureOut">
               <a:rPr lang="zh-CN" altLang="en-US" smtClean="0"/>
-              <a:t>2021/8/14</a:t>
+              <a:t>2021/8/20</a:t>
             </a:fld>
             <a:endParaRPr lang="zh-CN" altLang="en-US"/>
           </a:p>
@@ -2920,7 +2920,7 @@
           <a:p>
             <a:fld id="{509BA1EA-83C8-49DE-914E-914407E9938A}" type="datetimeFigureOut">
               <a:rPr lang="zh-CN" altLang="en-US" smtClean="0"/>
-              <a:t>2021/8/14</a:t>
+              <a:t>2021/8/20</a:t>
             </a:fld>
             <a:endParaRPr lang="zh-CN" altLang="en-US"/>
           </a:p>
@@ -3464,7 +3464,7 @@
                 </a:solidFill>
                 <a:latin typeface="Arial Rounded MT Bold" panose="020F0704030504030204" pitchFamily="34" charset="0"/>
               </a:rPr>
-              <a:t>6</a:t>
+              <a:t>7</a:t>
             </a:r>
             <a:r>
               <a:rPr lang="en-US" altLang="zh-CN" sz="7200" dirty="0">
@@ -3484,13 +3484,13 @@
               </a:rPr>
             </a:br>
             <a:r>
-              <a:rPr lang="en-US" altLang="zh-CN" sz="8000" dirty="0">
+              <a:rPr lang="en-US" altLang="zh-CN" sz="8000" dirty="0" err="1">
                 <a:solidFill>
                   <a:schemeClr val="bg1"/>
                 </a:solidFill>
                 <a:latin typeface="Arial Rounded MT Bold" panose="020F0704030504030204" pitchFamily="34" charset="0"/>
               </a:rPr>
-              <a:t>keep-alive</a:t>
+              <a:t>Vuex</a:t>
             </a:r>
             <a:r>
               <a:rPr lang="zh-CN" altLang="en-US" sz="8000" dirty="0">
@@ -3499,7 +3499,7 @@
                 </a:solidFill>
                 <a:latin typeface="Arial Rounded MT Bold" panose="020F0704030504030204" pitchFamily="34" charset="0"/>
               </a:rPr>
-              <a:t>组件</a:t>
+              <a:t>原理</a:t>
             </a:r>
             <a:endParaRPr lang="zh-CN" altLang="en-US" sz="7200" dirty="0">
               <a:solidFill>
